--- a/slides/lec20-test-example_v1.pptx
+++ b/slides/lec20-test-example_v1.pptx
@@ -4177,7 +4177,7 @@
         </p:spPr>
         <p:txBody>
           <a:bodyPr>
-            <a:normAutofit fontScale="92500"/>
+            <a:normAutofit fontScale="92500" lnSpcReduction="20000"/>
           </a:bodyPr>
           <a:lstStyle/>
           <a:p>
@@ -4244,6 +4244,37 @@
             <a:r>
               <a:rPr lang="en-US" altLang="ko-KR" sz="2400" dirty="0"/>
               <a:t>Test documents should refer to corresponding requirements and designs, if any.</a:t>
+            </a:r>
+          </a:p>
+          <a:p>
+            <a:pPr>
+              <a:lnSpc>
+                <a:spcPct val="120000"/>
+              </a:lnSpc>
+            </a:pPr>
+            <a:r>
+              <a:rPr lang="en-US" altLang="ko-KR" sz="2400" dirty="0"/>
+              <a:t>At the same time, try your best to make </a:t>
+            </a:r>
+            <a:r>
+              <a:rPr lang="en-US" altLang="ko-KR" sz="2400" dirty="0">
+                <a:solidFill>
+                  <a:srgbClr val="FF0000"/>
+                </a:solidFill>
+              </a:rPr>
+              <a:t>unexpected, exceptional, corner case tests </a:t>
+            </a:r>
+            <a:r>
+              <a:rPr lang="en-US" altLang="ko-KR" sz="2400" dirty="0"/>
+              <a:t>to detect hidden corner case bugs (</a:t>
+            </a:r>
+            <a:r>
+              <a:rPr lang="en-US" altLang="ko-KR" sz="2400" dirty="0" err="1"/>
+              <a:t>i.g.</a:t>
+            </a:r>
+            <a:r>
+              <a:rPr lang="en-US" altLang="ko-KR" sz="2400" dirty="0"/>
+              <a:t>, by generating random inputs, or fuzzed input, etc.)</a:t>
             </a:r>
           </a:p>
           <a:p>
@@ -6627,7 +6658,7 @@
                     <a:p>
                       <a:pPr indent="69850"/>
                       <a:r>
-                        <a:rPr lang="en-US" sz="1100" b="1" kern="100">
+                        <a:rPr lang="en-US" sz="1100" b="1" kern="100" dirty="0">
                           <a:solidFill>
                             <a:srgbClr val="000000"/>
                           </a:solidFill>
@@ -6637,7 +6668,7 @@
                         </a:rPr>
                         <a:t>Actual Result (Pass/Fail/Exception)</a:t>
                       </a:r>
-                      <a:endParaRPr lang="ko-KR" sz="1200" kern="100">
+                      <a:endParaRPr lang="ko-KR" sz="1200" kern="100" dirty="0">
                         <a:effectLst/>
                         <a:latin typeface="Times New Roman" panose="02020603050405020304" pitchFamily="18" charset="0"/>
                         <a:ea typeface="SimSun" panose="02010600030101010101" pitchFamily="2" charset="-122"/>
@@ -6743,7 +6774,7 @@
                     <a:lstStyle/>
                     <a:p>
                       <a:r>
-                        <a:rPr lang="en-US" sz="1100" kern="100">
+                        <a:rPr lang="en-US" sz="1100" kern="100" dirty="0">
                           <a:solidFill>
                             <a:srgbClr val="000000"/>
                           </a:solidFill>
@@ -6754,7 +6785,7 @@
                         <a:t>Pass: status remains </a:t>
                       </a:r>
                       <a:r>
-                        <a:rPr lang="en-US" sz="1100" kern="100">
+                        <a:rPr lang="en-US" sz="1100" kern="100" dirty="0">
                           <a:solidFill>
                             <a:srgbClr val="000000"/>
                           </a:solidFill>
@@ -6765,7 +6796,7 @@
                         <a:t>Status</a:t>
                       </a:r>
                       <a:r>
-                        <a:rPr lang="en-US" sz="1100" kern="100">
+                        <a:rPr lang="en-US" sz="1100" kern="100" dirty="0">
                           <a:solidFill>
                             <a:srgbClr val="000000"/>
                           </a:solidFill>
@@ -6776,7 +6807,7 @@
                         <a:t>.</a:t>
                       </a:r>
                       <a:r>
-                        <a:rPr lang="en-US" sz="1200" kern="100">
+                        <a:rPr lang="en-US" sz="1200" kern="100" dirty="0">
                           <a:solidFill>
                             <a:srgbClr val="000000"/>
                           </a:solidFill>
@@ -6786,7 +6817,7 @@
                         </a:rPr>
                         <a:t>READY4BUTTON</a:t>
                       </a:r>
-                      <a:endParaRPr lang="ko-KR" sz="1200" kern="100">
+                      <a:endParaRPr lang="ko-KR" sz="1200" kern="100" dirty="0">
                         <a:effectLst/>
                         <a:latin typeface="Times New Roman" panose="02020603050405020304" pitchFamily="18" charset="0"/>
                         <a:ea typeface="SimSun" panose="02010600030101010101" pitchFamily="2" charset="-122"/>
@@ -7909,7 +7940,7 @@
           <p:nvPr>
             <p:extLst>
               <p:ext uri="{D42A27DB-BD31-4B8C-83A1-F6EECF244321}">
-                <p14:modId xmlns:p14="http://schemas.microsoft.com/office/powerpoint/2010/main" val="2006193798"/>
+                <p14:modId xmlns:p14="http://schemas.microsoft.com/office/powerpoint/2010/main" val="2989045207"/>
               </p:ext>
             </p:extLst>
           </p:nvPr>
@@ -8288,7 +8319,7 @@
                           <a:latin typeface="Courier New" panose="02070309020205020404" pitchFamily="49" charset="0"/>
                           <a:ea typeface="SimSun" panose="02010600030101010101" pitchFamily="2" charset="-122"/>
                         </a:rPr>
-                        <a:t>StrageManager</a:t>
+                        <a:t>StorageManager</a:t>
                       </a:r>
                       <a:r>
                         <a:rPr lang="en-US" sz="1050" kern="100" dirty="0">
@@ -9126,7 +9157,7 @@
                     <a:lstStyle/>
                     <a:p>
                       <a:r>
-                        <a:rPr lang="en-US" sz="1050" kern="100">
+                        <a:rPr lang="en-US" sz="1050" kern="100" dirty="0">
                           <a:solidFill>
                             <a:srgbClr val="000000"/>
                           </a:solidFill>
@@ -9137,7 +9168,7 @@
                         <a:t>1. Initialize </a:t>
                       </a:r>
                       <a:r>
-                        <a:rPr lang="en-US" sz="1050" kern="100">
+                        <a:rPr lang="en-US" sz="1050" kern="100" dirty="0" err="1">
                           <a:solidFill>
                             <a:srgbClr val="000000"/>
                           </a:solidFill>
@@ -9148,7 +9179,7 @@
                         <a:t>SafeHomeSystem</a:t>
                       </a:r>
                       <a:r>
-                        <a:rPr lang="en-US" sz="1050" kern="100">
+                        <a:rPr lang="en-US" sz="1050" kern="100" dirty="0">
                           <a:solidFill>
                             <a:srgbClr val="000000"/>
                           </a:solidFill>
@@ -9159,7 +9190,7 @@
                         <a:t>, which internally creates an instance of </a:t>
                       </a:r>
                       <a:r>
-                        <a:rPr lang="en-US" sz="1050" kern="100">
+                        <a:rPr lang="en-US" sz="1050" kern="100" dirty="0" err="1">
                           <a:solidFill>
                             <a:srgbClr val="000000"/>
                           </a:solidFill>
@@ -9170,7 +9201,7 @@
                         <a:t>LoginManager</a:t>
                       </a:r>
                       <a:r>
-                        <a:rPr lang="en-US" sz="1050" kern="100">
+                        <a:rPr lang="en-US" sz="1050" kern="100" dirty="0">
                           <a:solidFill>
                             <a:srgbClr val="000000"/>
                           </a:solidFill>
@@ -9181,7 +9212,7 @@
                         <a:t> and prepares </a:t>
                       </a:r>
                       <a:r>
-                        <a:rPr lang="en-US" sz="1050" kern="100">
+                        <a:rPr lang="en-US" sz="1050" kern="100" dirty="0" err="1">
                           <a:solidFill>
                             <a:srgbClr val="000000"/>
                           </a:solidFill>
@@ -9192,7 +9223,7 @@
                         <a:t>StorageManager</a:t>
                       </a:r>
                       <a:r>
-                        <a:rPr lang="en-US" sz="1050" kern="100">
+                        <a:rPr lang="en-US" sz="1050" kern="100" dirty="0">
                           <a:solidFill>
                             <a:srgbClr val="000000"/>
                           </a:solidFill>
@@ -9202,7 +9233,7 @@
                         </a:rPr>
                         <a:t>.</a:t>
                       </a:r>
-                      <a:endParaRPr lang="ko-KR" sz="1100" kern="100">
+                      <a:endParaRPr lang="ko-KR" sz="1100" kern="100" dirty="0">
                         <a:effectLst/>
                         <a:latin typeface="Times New Roman" panose="02020603050405020304" pitchFamily="18" charset="0"/>
                         <a:ea typeface="SimSun" panose="02010600030101010101" pitchFamily="2" charset="-122"/>
@@ -9210,7 +9241,7 @@
                     </a:p>
                     <a:p>
                       <a:r>
-                        <a:rPr lang="en-US" sz="1050" kern="100">
+                        <a:rPr lang="en-US" sz="1050" kern="100" dirty="0">
                           <a:solidFill>
                             <a:srgbClr val="000000"/>
                           </a:solidFill>
@@ -9221,7 +9252,7 @@
                         <a:t>2. Call </a:t>
                       </a:r>
                       <a:r>
-                        <a:rPr lang="en-US" sz="1050" kern="100">
+                        <a:rPr lang="en-US" sz="1050" kern="100" dirty="0" err="1">
                           <a:solidFill>
                             <a:srgbClr val="000000"/>
                           </a:solidFill>
@@ -9229,10 +9260,21 @@
                           <a:latin typeface="Courier New" panose="02070309020205020404" pitchFamily="49" charset="0"/>
                           <a:ea typeface="SimSun" panose="02010600030101010101" pitchFamily="2" charset="-122"/>
                         </a:rPr>
-                        <a:t>SafeHomeSystem.login()</a:t>
-                      </a:r>
-                      <a:r>
-                        <a:rPr lang="en-US" sz="1050" kern="100">
+                        <a:t>SafeHomeSystem.login</a:t>
+                      </a:r>
+                      <a:r>
+                        <a:rPr lang="en-US" sz="1050" kern="100" dirty="0">
+                          <a:solidFill>
+                            <a:srgbClr val="000000"/>
+                          </a:solidFill>
+                          <a:effectLst/>
+                          <a:latin typeface="Courier New" panose="02070309020205020404" pitchFamily="49" charset="0"/>
+                          <a:ea typeface="SimSun" panose="02010600030101010101" pitchFamily="2" charset="-122"/>
+                        </a:rPr>
+                        <a:t>()</a:t>
+                      </a:r>
+                      <a:r>
+                        <a:rPr lang="en-US" sz="1050" kern="100" dirty="0">
                           <a:solidFill>
                             <a:srgbClr val="000000"/>
                           </a:solidFill>
@@ -9242,7 +9284,7 @@
                         </a:rPr>
                         <a:t> with "master" as the username and "1234" as the password.</a:t>
                       </a:r>
-                      <a:endParaRPr lang="ko-KR" sz="1100" kern="100">
+                      <a:endParaRPr lang="ko-KR" sz="1100" kern="100" dirty="0">
                         <a:effectLst/>
                         <a:latin typeface="Times New Roman" panose="02020603050405020304" pitchFamily="18" charset="0"/>
                         <a:ea typeface="SimSun" panose="02010600030101010101" pitchFamily="2" charset="-122"/>
@@ -9250,7 +9292,7 @@
                     </a:p>
                     <a:p>
                       <a:r>
-                        <a:rPr lang="en-US" sz="1050" kern="100">
+                        <a:rPr lang="en-US" sz="1050" kern="100" dirty="0">
                           <a:solidFill>
                             <a:srgbClr val="000000"/>
                           </a:solidFill>
@@ -9261,7 +9303,7 @@
                         <a:t>3. Allow </a:t>
                       </a:r>
                       <a:r>
-                        <a:rPr lang="en-US" sz="1050" kern="100">
+                        <a:rPr lang="en-US" sz="1050" kern="100" dirty="0" err="1">
                           <a:solidFill>
                             <a:srgbClr val="000000"/>
                           </a:solidFill>
@@ -9272,7 +9314,7 @@
                         <a:t>LoginManager</a:t>
                       </a:r>
                       <a:r>
-                        <a:rPr lang="en-US" sz="1050" kern="100">
+                        <a:rPr lang="en-US" sz="1050" kern="100" dirty="0">
                           <a:solidFill>
                             <a:srgbClr val="000000"/>
                           </a:solidFill>
@@ -9283,7 +9325,7 @@
                         <a:t> to validate the provided credentials by comparing them against the stored credentials retrieved from </a:t>
                       </a:r>
                       <a:r>
-                        <a:rPr lang="en-US" sz="1050" kern="100">
+                        <a:rPr lang="en-US" sz="1050" kern="100" dirty="0" err="1">
                           <a:solidFill>
                             <a:srgbClr val="000000"/>
                           </a:solidFill>
@@ -9294,7 +9336,7 @@
                         <a:t>StorageManager</a:t>
                       </a:r>
                       <a:r>
-                        <a:rPr lang="en-US" sz="1050" kern="100">
+                        <a:rPr lang="en-US" sz="1050" kern="100" dirty="0">
                           <a:solidFill>
                             <a:srgbClr val="000000"/>
                           </a:solidFill>
@@ -9304,7 +9346,7 @@
                         </a:rPr>
                         <a:t>.</a:t>
                       </a:r>
-                      <a:endParaRPr lang="ko-KR" sz="1100" kern="100">
+                      <a:endParaRPr lang="ko-KR" sz="1100" kern="100" dirty="0">
                         <a:effectLst/>
                         <a:latin typeface="Times New Roman" panose="02020603050405020304" pitchFamily="18" charset="0"/>
                         <a:ea typeface="SimSun" panose="02010600030101010101" pitchFamily="2" charset="-122"/>
@@ -9312,7 +9354,7 @@
                     </a:p>
                     <a:p>
                       <a:r>
-                        <a:rPr lang="en-US" sz="1050" kern="100">
+                        <a:rPr lang="en-US" sz="1050" kern="100" dirty="0">
                           <a:solidFill>
                             <a:srgbClr val="000000"/>
                           </a:solidFill>
@@ -9323,7 +9365,7 @@
                         <a:t>4. After successful authentication, </a:t>
                       </a:r>
                       <a:r>
-                        <a:rPr lang="en-US" sz="1050" kern="100">
+                        <a:rPr lang="en-US" sz="1050" kern="100" dirty="0" err="1">
                           <a:solidFill>
                             <a:srgbClr val="000000"/>
                           </a:solidFill>
@@ -9334,7 +9376,7 @@
                         <a:t>SafeHomeSystem</a:t>
                       </a:r>
                       <a:r>
-                        <a:rPr lang="en-US" sz="1050" kern="100">
+                        <a:rPr lang="en-US" sz="1050" kern="100" dirty="0">
                           <a:solidFill>
                             <a:srgbClr val="000000"/>
                           </a:solidFill>
@@ -9344,7 +9386,7 @@
                         </a:rPr>
                         <a:t> resets the login attempt counter and returns the access code for master.</a:t>
                       </a:r>
-                      <a:endParaRPr lang="ko-KR" sz="1100" kern="100">
+                      <a:endParaRPr lang="ko-KR" sz="1100" kern="100" dirty="0">
                         <a:effectLst/>
                         <a:latin typeface="Times New Roman" panose="02020603050405020304" pitchFamily="18" charset="0"/>
                         <a:ea typeface="SimSun" panose="02010600030101010101" pitchFamily="2" charset="-122"/>
@@ -9352,7 +9394,7 @@
                     </a:p>
                     <a:p>
                       <a:r>
-                        <a:rPr lang="en-US" sz="1050" kern="100">
+                        <a:rPr lang="en-US" sz="1050" kern="100" dirty="0">
                           <a:solidFill>
                             <a:srgbClr val="000000"/>
                           </a:solidFill>
@@ -9363,7 +9405,7 @@
                         <a:t>5. Confirm that </a:t>
                       </a:r>
                       <a:r>
-                        <a:rPr lang="en-US" sz="1050" kern="100">
+                        <a:rPr lang="en-US" sz="1050" kern="100" dirty="0" err="1">
                           <a:solidFill>
                             <a:srgbClr val="000000"/>
                           </a:solidFill>
@@ -9374,7 +9416,7 @@
                         <a:t>SafeHomeSystem</a:t>
                       </a:r>
                       <a:r>
-                        <a:rPr lang="en-US" sz="1050" kern="100">
+                        <a:rPr lang="en-US" sz="1050" kern="100" dirty="0">
                           <a:solidFill>
                             <a:srgbClr val="000000"/>
                           </a:solidFill>
@@ -9384,7 +9426,7 @@
                         </a:rPr>
                         <a:t> does not increment the login attempt count after the successful authentication response.</a:t>
                       </a:r>
-                      <a:endParaRPr lang="ko-KR" sz="1100" kern="100">
+                      <a:endParaRPr lang="ko-KR" sz="1100" kern="100" dirty="0">
                         <a:effectLst/>
                         <a:latin typeface="Times New Roman" panose="02020603050405020304" pitchFamily="18" charset="0"/>
                         <a:ea typeface="SimSun" panose="02010600030101010101" pitchFamily="2" charset="-122"/>
@@ -11314,7 +11356,7 @@
           <p:nvPr>
             <p:extLst>
               <p:ext uri="{D42A27DB-BD31-4B8C-83A1-F6EECF244321}">
-                <p14:modId xmlns:p14="http://schemas.microsoft.com/office/powerpoint/2010/main" val="822125659"/>
+                <p14:modId xmlns:p14="http://schemas.microsoft.com/office/powerpoint/2010/main" val="2108000211"/>
               </p:ext>
             </p:extLst>
           </p:nvPr>
@@ -11647,7 +11689,7 @@
                     <a:p>
                       <a:pPr algn="ctr"/>
                       <a:r>
-                        <a:rPr lang="en-US" sz="1000" kern="100">
+                        <a:rPr lang="en-US" sz="1000" kern="100" dirty="0" err="1">
                           <a:solidFill>
                             <a:srgbClr val="000000"/>
                           </a:solidFill>
@@ -11658,7 +11700,7 @@
                         <a:t>ControlPanel</a:t>
                       </a:r>
                       <a:br>
-                        <a:rPr lang="en-US" sz="1000" kern="100">
+                        <a:rPr lang="en-US" sz="1000" kern="100" dirty="0">
                           <a:solidFill>
                             <a:srgbClr val="000000"/>
                           </a:solidFill>
@@ -11668,7 +11710,7 @@
                         </a:rPr>
                       </a:br>
                       <a:r>
-                        <a:rPr lang="en-US" sz="1000" kern="100">
+                        <a:rPr lang="en-US" sz="1000" kern="100" dirty="0" err="1">
                           <a:solidFill>
                             <a:srgbClr val="000000"/>
                           </a:solidFill>
@@ -11679,7 +11721,7 @@
                         <a:t>SafeHomeControlPanel</a:t>
                       </a:r>
                       <a:br>
-                        <a:rPr lang="en-US" sz="1000" kern="100">
+                        <a:rPr lang="en-US" sz="1000" kern="100" dirty="0">
                           <a:solidFill>
                             <a:srgbClr val="000000"/>
                           </a:solidFill>
@@ -11689,7 +11731,7 @@
                         </a:rPr>
                       </a:br>
                       <a:r>
-                        <a:rPr lang="en-US" sz="1000" kern="100">
+                        <a:rPr lang="en-US" sz="1000" kern="100" dirty="0">
                           <a:solidFill>
                             <a:srgbClr val="000000"/>
                           </a:solidFill>
@@ -11699,7 +11741,7 @@
                         </a:rPr>
                         <a:t>System</a:t>
                       </a:r>
-                      <a:endParaRPr lang="ko-KR" sz="1050" kern="100">
+                      <a:endParaRPr lang="ko-KR" sz="1050" kern="100" dirty="0">
                         <a:effectLst/>
                         <a:latin typeface="Times New Roman" panose="02020603050405020304" pitchFamily="18" charset="0"/>
                         <a:ea typeface="SimSun" panose="02010600030101010101" pitchFamily="2" charset="-122"/>
@@ -11708,7 +11750,7 @@
                     <a:p>
                       <a:pPr algn="ctr"/>
                       <a:r>
-                        <a:rPr lang="en-US" sz="1000" kern="100">
+                        <a:rPr lang="en-US" sz="1000" kern="100" dirty="0" err="1">
                           <a:solidFill>
                             <a:srgbClr val="000000"/>
                           </a:solidFill>
@@ -11718,7 +11760,7 @@
                         </a:rPr>
                         <a:t>LoginManager</a:t>
                       </a:r>
-                      <a:endParaRPr lang="ko-KR" sz="1050" kern="100">
+                      <a:endParaRPr lang="ko-KR" sz="1050" kern="100" dirty="0">
                         <a:effectLst/>
                         <a:latin typeface="Times New Roman" panose="02020603050405020304" pitchFamily="18" charset="0"/>
                         <a:ea typeface="SimSun" panose="02010600030101010101" pitchFamily="2" charset="-122"/>
@@ -11727,7 +11769,7 @@
                     <a:p>
                       <a:pPr algn="ctr"/>
                       <a:r>
-                        <a:rPr lang="en-US" sz="1000" kern="100">
+                        <a:rPr lang="en-US" sz="1000" kern="100" dirty="0" err="1">
                           <a:solidFill>
                             <a:srgbClr val="000000"/>
                           </a:solidFill>
@@ -11735,9 +11777,9 @@
                           <a:latin typeface="Courier New" panose="02070309020205020404" pitchFamily="49" charset="0"/>
                           <a:ea typeface="SimSun" panose="02010600030101010101" pitchFamily="2" charset="-122"/>
                         </a:rPr>
-                        <a:t>StrageManager</a:t>
-                      </a:r>
-                      <a:endParaRPr lang="ko-KR" sz="1050" kern="100">
+                        <a:t>StorageManager</a:t>
+                      </a:r>
+                      <a:endParaRPr lang="ko-KR" sz="1050" kern="100" dirty="0">
                         <a:effectLst/>
                         <a:latin typeface="Times New Roman" panose="02020603050405020304" pitchFamily="18" charset="0"/>
                         <a:ea typeface="SimSun" panose="02010600030101010101" pitchFamily="2" charset="-122"/>
